--- a/00_Lucru PostgreSQL si R/00a_Instalare si lucru in PostgreSQL.pptx
+++ b/00_Lucru PostgreSQL si R/00a_Instalare si lucru in PostgreSQL.pptx
@@ -187,7 +187,7 @@
 <file path=ppt/revisionInfo.xml><?xml version="1.0" encoding="utf-8"?>
 <p1510:revInfo xmlns:a="http://schemas.openxmlformats.org/drawingml/2006/main" xmlns:r="http://schemas.openxmlformats.org/officeDocument/2006/relationships" xmlns:p1510="http://schemas.microsoft.com/office/powerpoint/2015/10/main">
   <p1510:revLst>
-    <p1510:client id="{E6FBB6F0-3EB5-604C-8E29-DB28CB53CA12}" v="32" dt="2021-02-14T06:33:58.746"/>
+    <p1510:client id="{2E50A5D2-42DE-7E41-941E-F123C5E8DB69}" v="4" dt="2022-02-20T06:37:44.564"/>
   </p1510:revLst>
 </p1510:revInfo>
 </file>
@@ -311,6 +311,60 @@
           <ac:spMkLst>
             <pc:docMk/>
             <pc:sldMk cId="1881349444" sldId="362"/>
+            <ac:spMk id="3" creationId="{00000000-0000-0000-0000-000000000000}"/>
+          </ac:spMkLst>
+        </pc:spChg>
+      </pc:sldChg>
+    </pc:docChg>
+  </pc:docChgLst>
+  <pc:docChgLst>
+    <pc:chgData name="Marin Fotache" userId="9233cd031198ef03" providerId="LiveId" clId="{2E50A5D2-42DE-7E41-941E-F123C5E8DB69}"/>
+    <pc:docChg chg="custSel modSld">
+      <pc:chgData name="Marin Fotache" userId="9233cd031198ef03" providerId="LiveId" clId="{2E50A5D2-42DE-7E41-941E-F123C5E8DB69}" dt="2022-02-20T06:38:01.107" v="52" actId="27636"/>
+      <pc:docMkLst>
+        <pc:docMk/>
+      </pc:docMkLst>
+      <pc:sldChg chg="modSp mod">
+        <pc:chgData name="Marin Fotache" userId="9233cd031198ef03" providerId="LiveId" clId="{2E50A5D2-42DE-7E41-941E-F123C5E8DB69}" dt="2022-02-20T06:38:01.107" v="52" actId="27636"/>
+        <pc:sldMkLst>
+          <pc:docMk/>
+          <pc:sldMk cId="2365991784" sldId="351"/>
+        </pc:sldMkLst>
+        <pc:spChg chg="mod">
+          <ac:chgData name="Marin Fotache" userId="9233cd031198ef03" providerId="LiveId" clId="{2E50A5D2-42DE-7E41-941E-F123C5E8DB69}" dt="2022-02-20T06:38:01.107" v="52" actId="27636"/>
+          <ac:spMkLst>
+            <pc:docMk/>
+            <pc:sldMk cId="2365991784" sldId="351"/>
+            <ac:spMk id="3" creationId="{00000000-0000-0000-0000-000000000000}"/>
+          </ac:spMkLst>
+        </pc:spChg>
+      </pc:sldChg>
+      <pc:sldChg chg="modSp mod">
+        <pc:chgData name="Marin Fotache" userId="9233cd031198ef03" providerId="LiveId" clId="{2E50A5D2-42DE-7E41-941E-F123C5E8DB69}" dt="2022-02-20T06:34:03.372" v="3" actId="20577"/>
+        <pc:sldMkLst>
+          <pc:docMk/>
+          <pc:sldMk cId="2422235635" sldId="358"/>
+        </pc:sldMkLst>
+        <pc:spChg chg="mod">
+          <ac:chgData name="Marin Fotache" userId="9233cd031198ef03" providerId="LiveId" clId="{2E50A5D2-42DE-7E41-941E-F123C5E8DB69}" dt="2022-02-20T06:34:03.372" v="3" actId="20577"/>
+          <ac:spMkLst>
+            <pc:docMk/>
+            <pc:sldMk cId="2422235635" sldId="358"/>
+            <ac:spMk id="3" creationId="{00000000-0000-0000-0000-000000000000}"/>
+          </ac:spMkLst>
+        </pc:spChg>
+      </pc:sldChg>
+      <pc:sldChg chg="modSp mod">
+        <pc:chgData name="Marin Fotache" userId="9233cd031198ef03" providerId="LiveId" clId="{2E50A5D2-42DE-7E41-941E-F123C5E8DB69}" dt="2022-02-20T06:34:25.399" v="5" actId="27636"/>
+        <pc:sldMkLst>
+          <pc:docMk/>
+          <pc:sldMk cId="4184326140" sldId="361"/>
+        </pc:sldMkLst>
+        <pc:spChg chg="mod">
+          <ac:chgData name="Marin Fotache" userId="9233cd031198ef03" providerId="LiveId" clId="{2E50A5D2-42DE-7E41-941E-F123C5E8DB69}" dt="2022-02-20T06:34:25.399" v="5" actId="27636"/>
+          <ac:spMkLst>
+            <pc:docMk/>
+            <pc:sldMk cId="4184326140" sldId="361"/>
             <ac:spMk id="3" creationId="{00000000-0000-0000-0000-000000000000}"/>
           </ac:spMkLst>
         </pc:spChg>
@@ -5221,7 +5275,7 @@
                 <a:latin typeface="Avenir Light"/>
                 <a:cs typeface="Avenir Light"/>
               </a:rPr>
-              <a:t>Cea mai recentă versiune este 13.2, însă puteți folosi și o versiune ulterioară 10.1</a:t>
+              <a:t>Cea mai recentă versiune este 14.2, însă puteți folosi și o versiune ulterioară 10.6</a:t>
             </a:r>
           </a:p>
           <a:p>
@@ -6456,7 +6510,7 @@
         </p:spPr>
         <p:txBody>
           <a:bodyPr>
-            <a:normAutofit fontScale="85000" lnSpcReduction="10000"/>
+            <a:normAutofit fontScale="92500" lnSpcReduction="20000"/>
           </a:bodyPr>
           <a:lstStyle/>
           <a:p>
@@ -6807,13 +6861,6 @@
                 <a:cs typeface="Avenir Light"/>
               </a:rPr>
               <a:t>PgAdminPortable</a:t>
-            </a:r>
-            <a:r>
-              <a:rPr lang="ro-RO" sz="2600" dirty="0">
-                <a:latin typeface="Avenir Light"/>
-                <a:cs typeface="Avenir Light"/>
-              </a:rPr>
-              <a:t> (vezi anunțul de pe portal)</a:t>
             </a:r>
             <a:endParaRPr lang="ro-RO" dirty="0">
               <a:latin typeface="Avenir Light"/>
@@ -7523,18 +7570,19 @@
           </a:bodyPr>
           <a:lstStyle/>
           <a:p>
-            <a:endParaRPr lang="en" sz="2800" dirty="0">
-              <a:latin typeface="Avenir Light"/>
-              <a:cs typeface="Avenir Light"/>
-            </a:endParaRPr>
-          </a:p>
-          <a:p>
+            <a:r>
+              <a:rPr lang="en-US" sz="2800">
+                <a:latin typeface="Avenir Light"/>
+                <a:cs typeface="Avenir Light"/>
+              </a:rPr>
+              <a:t>How </a:t>
+            </a:r>
             <a:r>
               <a:rPr lang="en-US" sz="2800" dirty="0">
                 <a:latin typeface="Avenir Light"/>
                 <a:cs typeface="Avenir Light"/>
               </a:rPr>
-              <a:t>PostgreSQL Tutorial (PostgreSQL12):</a:t>
+              <a:t>to install PostgreSQL on Windows (2021)</a:t>
             </a:r>
           </a:p>
           <a:p>
@@ -7547,7 +7595,7 @@
                 <a:cs typeface="Avenir Light"/>
                 <a:hlinkClick r:id="rId2"/>
               </a:rPr>
-              <a:t>http://www.postgresqltutorial.com/install-postgresql/</a:t>
+              <a:t>https://www.sqlshack.com/how-to-install-postgresql-on-windows/</a:t>
             </a:r>
             <a:endParaRPr lang="en-US" sz="2800" dirty="0">
               <a:latin typeface="Avenir Light"/>
@@ -7555,6 +7603,32 @@
             </a:endParaRPr>
           </a:p>
           <a:p>
+            <a:r>
+              <a:rPr lang="en-US" sz="2800" dirty="0">
+                <a:latin typeface="Avenir Light"/>
+                <a:cs typeface="Avenir Light"/>
+              </a:rPr>
+              <a:t>PostgreSQL Tutorial (PostgreSQL 12 on Windows 10):</a:t>
+            </a:r>
+          </a:p>
+          <a:p>
+            <a:pPr marL="82296" indent="0">
+              <a:buNone/>
+            </a:pPr>
+            <a:r>
+              <a:rPr lang="en-US" sz="2800" dirty="0">
+                <a:latin typeface="Avenir Light"/>
+                <a:cs typeface="Avenir Light"/>
+                <a:hlinkClick r:id="rId3"/>
+              </a:rPr>
+              <a:t>http://www.postgresqltutorial.com/install-postgresql/</a:t>
+            </a:r>
+            <a:endParaRPr lang="en-US" sz="2800" dirty="0">
+              <a:latin typeface="Avenir Light"/>
+              <a:cs typeface="Avenir Light"/>
+            </a:endParaRPr>
+          </a:p>
+          <a:p>
             <a:endParaRPr lang="en" sz="1200" dirty="0">
               <a:latin typeface="Avenir Light"/>
               <a:cs typeface="Avenir Light"/>
@@ -7577,7 +7651,7 @@
               <a:rPr lang="en-GB" sz="2800" dirty="0">
                 <a:latin typeface="Avenir Light"/>
                 <a:cs typeface="Avenir Light"/>
-                <a:hlinkClick r:id="rId3"/>
+                <a:hlinkClick r:id="rId4"/>
               </a:rPr>
               <a:t>https://www.youtube.com/watch?v=RAFZleZYxsc</a:t>
             </a:r>
@@ -7609,7 +7683,7 @@
               <a:rPr lang="en-GB" sz="2800" dirty="0">
                 <a:latin typeface="Avenir Light"/>
                 <a:cs typeface="Avenir Light"/>
-                <a:hlinkClick r:id="rId4"/>
+                <a:hlinkClick r:id="rId5"/>
               </a:rPr>
               <a:t>https://www.youtube.com/watch?v=nlsaI4NxTxs</a:t>
             </a:r>
@@ -7651,7 +7725,7 @@
               <a:rPr lang="en-US" sz="2800" dirty="0">
                 <a:latin typeface="Avenir Light"/>
                 <a:cs typeface="Avenir Light"/>
-                <a:hlinkClick r:id="rId5"/>
+                <a:hlinkClick r:id="rId6"/>
               </a:rPr>
               <a:t>https://www.datacamp.com/community/tutorials/installing-postgresql-windows-macosx</a:t>
             </a:r>
@@ -7700,7 +7774,7 @@
               <a:rPr lang="en-US" sz="2800" dirty="0">
                 <a:latin typeface="Avenir Light"/>
                 <a:cs typeface="Avenir Light"/>
-                <a:hlinkClick r:id="rId6"/>
+                <a:hlinkClick r:id="rId7"/>
               </a:rPr>
               <a:t>https://www.youtube.com/watch?v=Dd2ej-QKrWY</a:t>
             </a:r>
